--- a/cache/2b94c692-6abb-48ae-ab0b-b3e8a19cb340/201_6.pptx
+++ b/cache/2b94c692-6abb-48ae-ab0b-b3e8a19cb340/201_6.pptx
@@ -64,7 +64,7 @@
         <p:txBody>
           <a:bodyPr/>
           <a:p>
-            <a:fld id="{6005B741-0D6F-4B62-A3DB-4A8DFAEA529D}" type="slidenum">
+            <a:fld id="{EDB012D7-EF32-4C1A-A93D-84193E6AB9C6}" type="slidenum">
               <a:t>&lt;#&gt;</a:t>
             </a:fld>
           </a:p>
@@ -252,7 +252,7 @@
         <p:txBody>
           <a:bodyPr/>
           <a:p>
-            <a:fld id="{A53DA633-C1B6-4D8E-9537-ACE3661A70D6}" type="slidenum">
+            <a:fld id="{CC0BE891-76EB-4400-BAF0-AF92EE9EDB6A}" type="slidenum">
               <a:t>&lt;#&gt;</a:t>
             </a:fld>
           </a:p>
@@ -508,7 +508,7 @@
         <p:txBody>
           <a:bodyPr/>
           <a:p>
-            <a:fld id="{B8A0F36B-C795-4AF3-85F5-2BCCFE0C8BCE}" type="slidenum">
+            <a:fld id="{9267EBCE-B93D-40FA-BF05-DCD28BAE73BA}" type="slidenum">
               <a:t>&lt;#&gt;</a:t>
             </a:fld>
           </a:p>
@@ -832,7 +832,7 @@
         <p:txBody>
           <a:bodyPr/>
           <a:p>
-            <a:fld id="{77AE92A4-F798-402E-A128-41EDFAF15927}" type="slidenum">
+            <a:fld id="{49064A92-27B5-48F4-96B5-D6DE7A318FCD}" type="slidenum">
               <a:t>&lt;#&gt;</a:t>
             </a:fld>
           </a:p>
@@ -989,7 +989,7 @@
         <p:txBody>
           <a:bodyPr/>
           <a:p>
-            <a:fld id="{36C0DD5A-9142-44D1-83CF-094D7F341E0B}" type="slidenum">
+            <a:fld id="{EFC966F2-98CC-451C-8FE6-AE544F7265A9}" type="slidenum">
               <a:t>&lt;#&gt;</a:t>
             </a:fld>
           </a:p>
@@ -1143,7 +1143,7 @@
         <p:txBody>
           <a:bodyPr/>
           <a:p>
-            <a:fld id="{0770538D-E413-44B4-BA88-3DECC29A274E}" type="slidenum">
+            <a:fld id="{8C333993-22C3-4229-A738-160EF6326642}" type="slidenum">
               <a:t>&lt;#&gt;</a:t>
             </a:fld>
           </a:p>
@@ -1331,7 +1331,7 @@
         <p:txBody>
           <a:bodyPr/>
           <a:p>
-            <a:fld id="{8EC6A514-E8B2-451E-9781-05869131F90C}" type="slidenum">
+            <a:fld id="{33AB5E7E-EFED-4298-A140-36087E5B1923}" type="slidenum">
               <a:t>&lt;#&gt;</a:t>
             </a:fld>
           </a:p>
@@ -1451,7 +1451,7 @@
         <p:txBody>
           <a:bodyPr/>
           <a:p>
-            <a:fld id="{9C8C8751-2183-4F15-93B0-A07164327D37}" type="slidenum">
+            <a:fld id="{4C2DDD90-804D-4C9E-AF8A-42723D1DC207}" type="slidenum">
               <a:t>&lt;#&gt;</a:t>
             </a:fld>
           </a:p>
@@ -1571,7 +1571,7 @@
         <p:txBody>
           <a:bodyPr/>
           <a:p>
-            <a:fld id="{71DE5999-EC1B-4C91-BB65-25F96F86EA68}" type="slidenum">
+            <a:fld id="{D7CDA539-B74F-43AB-8C86-4F083E86652A}" type="slidenum">
               <a:t>&lt;#&gt;</a:t>
             </a:fld>
           </a:p>
@@ -1793,7 +1793,7 @@
         <p:txBody>
           <a:bodyPr/>
           <a:p>
-            <a:fld id="{34CB6BDF-287A-43A8-A987-789DB095BC64}" type="slidenum">
+            <a:fld id="{338835A9-155F-4953-B7DF-C0BD583FA25D}" type="slidenum">
               <a:t>&lt;#&gt;</a:t>
             </a:fld>
           </a:p>
@@ -2015,7 +2015,7 @@
         <p:txBody>
           <a:bodyPr/>
           <a:p>
-            <a:fld id="{B74B8173-2800-4AC2-94CE-946B1BD93FEF}" type="slidenum">
+            <a:fld id="{75881022-7B2B-4D3D-A582-96F5F8C34D5E}" type="slidenum">
               <a:t>&lt;#&gt;</a:t>
             </a:fld>
           </a:p>
@@ -2237,7 +2237,7 @@
         <p:txBody>
           <a:bodyPr/>
           <a:p>
-            <a:fld id="{BD93B08E-BAEA-48E1-A9A0-F7D6096272BC}" type="slidenum">
+            <a:fld id="{E206F529-6D9B-4989-9D90-EBA2226701CB}" type="slidenum">
               <a:t>&lt;#&gt;</a:t>
             </a:fld>
           </a:p>
@@ -2398,7 +2398,7 @@
               </a:lnSpc>
               <a:buNone/>
             </a:pPr>
-            <a:fld id="{99223E13-74F8-4C75-97A4-625FF75F0D85}" type="slidenum">
+            <a:fld id="{15919783-3C5F-4FFC-A8CA-D5786DA6434B}" type="slidenum">
               <a:rPr b="0" lang="en-US" sz="1200" spc="-1" strike="noStrike">
                 <a:solidFill>
                   <a:srgbClr val="8b8b8b"/>
@@ -2948,7 +2948,7 @@
         </p:blipFill>
         <p:spPr>
           <a:xfrm>
-            <a:off x="5040000" y="1801440"/>
+            <a:off x="5041440" y="1801440"/>
             <a:ext cx="2158560" cy="2158560"/>
           </a:xfrm>
           <a:prstGeom prst="rect">
